--- a/프레젠테이션20210423.pptx
+++ b/프레젠테이션20210423.pptx
@@ -117,6 +117,22 @@
       </a:defRPr>
     </a:lvl9pPr>
   </p:defaultTextStyle>
+  <p:extLst>
+    <p:ext uri="{EFAFB233-063F-42B5-8137-9DF3F51BA10A}">
+      <p15:sldGuideLst xmlns:p15="http://schemas.microsoft.com/office/powerpoint/2012/main">
+        <p15:guide id="1" orient="horz" pos="2160">
+          <p15:clr>
+            <a:srgbClr val="A4A3A4"/>
+          </p15:clr>
+        </p15:guide>
+        <p15:guide id="2" pos="2880">
+          <p15:clr>
+            <a:srgbClr val="A4A3A4"/>
+          </p15:clr>
+        </p15:guide>
+      </p15:sldGuideLst>
+    </p:ext>
+  </p:extLst>
 </p:presentation>
 </file>
 
@@ -202,7 +218,7 @@
           <a:p>
             <a:fld id="{0EE775A3-6E27-487F-BD1F-61E249B7CB62}" type="datetimeFigureOut">
               <a:rPr lang="ko-KR" altLang="en-US" smtClean="0"/>
-              <a:t>2021-04-23</a:t>
+              <a:t>2021-05-03</a:t>
             </a:fld>
             <a:endParaRPr lang="ko-KR" altLang="en-US"/>
           </a:p>
@@ -368,7 +384,7 @@
           <a:p>
             <a:fld id="{AF78B709-B1C4-48EC-A47E-265B5C0829B5}" type="datetimeFigureOut">
               <a:rPr lang="ko-KR" altLang="en-US" smtClean="0"/>
-              <a:t>2021-04-23</a:t>
+              <a:t>2021-05-03</a:t>
             </a:fld>
             <a:endParaRPr lang="ko-KR" altLang="en-US"/>
           </a:p>
@@ -813,9 +829,7 @@
         </p:style>
         <p:txBody>
           <a:bodyPr anchor="ctr"/>
-          <a:lstStyle>
-            <a:extLst/>
-          </a:lstStyle>
+          <a:lstStyle/>
           <a:p>
             <a:pPr algn="ctr" eaLnBrk="1" latinLnBrk="0" hangingPunct="1"/>
             <a:endParaRPr kumimoji="0" lang="en-US"/>
@@ -885,9 +899,7 @@
         </p:style>
         <p:txBody>
           <a:bodyPr anchor="ctr"/>
-          <a:lstStyle>
-            <a:extLst/>
-          </a:lstStyle>
+          <a:lstStyle/>
           <a:p>
             <a:pPr algn="ctr" eaLnBrk="1" latinLnBrk="0" hangingPunct="1"/>
             <a:endParaRPr kumimoji="0" lang="en-US"/>
@@ -1021,13 +1033,11 @@
         <p:spPr/>
         <p:txBody>
           <a:bodyPr/>
-          <a:lstStyle>
-            <a:extLst/>
-          </a:lstStyle>
+          <a:lstStyle/>
           <a:p>
             <a:fld id="{9FF2AAAA-FB92-4DAB-AA29-3BC6389EA3DC}" type="datetimeFigureOut">
               <a:rPr lang="ko-KR" altLang="en-US" smtClean="0"/>
-              <a:t>2021-04-23</a:t>
+              <a:t>2021-05-03</a:t>
             </a:fld>
             <a:endParaRPr lang="ko-KR" altLang="en-US"/>
           </a:p>
@@ -1046,9 +1056,7 @@
         <p:spPr/>
         <p:txBody>
           <a:bodyPr/>
-          <a:lstStyle>
-            <a:extLst/>
-          </a:lstStyle>
+          <a:lstStyle/>
           <a:p>
             <a:endParaRPr lang="ko-KR" altLang="en-US"/>
           </a:p>
@@ -1067,9 +1075,7 @@
         <p:spPr/>
         <p:txBody>
           <a:bodyPr/>
-          <a:lstStyle>
-            <a:extLst/>
-          </a:lstStyle>
+          <a:lstStyle/>
           <a:p>
             <a:fld id="{B06C8043-AB0D-4E6D-B24A-18F217D10F77}" type="slidenum">
               <a:rPr lang="ko-KR" altLang="en-US" smtClean="0"/>
@@ -1122,9 +1128,7 @@
         </p:spPr>
         <p:txBody>
           <a:bodyPr/>
-          <a:lstStyle>
-            <a:extLst/>
-          </a:lstStyle>
+          <a:lstStyle/>
           <a:p>
             <a:r>
               <a:rPr kumimoji="0" lang="ko-KR" altLang="en-US" smtClean="0"/>
@@ -1152,9 +1156,7 @@
         </p:spPr>
         <p:txBody>
           <a:bodyPr vert="eaVert"/>
-          <a:lstStyle>
-            <a:extLst/>
-          </a:lstStyle>
+          <a:lstStyle/>
           <a:p>
             <a:pPr lvl="0" eaLnBrk="1" latinLnBrk="0" hangingPunct="1"/>
             <a:r>
@@ -1206,13 +1208,11 @@
         <p:spPr/>
         <p:txBody>
           <a:bodyPr/>
-          <a:lstStyle>
-            <a:extLst/>
-          </a:lstStyle>
+          <a:lstStyle/>
           <a:p>
             <a:fld id="{9FF2AAAA-FB92-4DAB-AA29-3BC6389EA3DC}" type="datetimeFigureOut">
               <a:rPr lang="ko-KR" altLang="en-US" smtClean="0"/>
-              <a:t>2021-04-23</a:t>
+              <a:t>2021-05-03</a:t>
             </a:fld>
             <a:endParaRPr lang="ko-KR" altLang="en-US"/>
           </a:p>
@@ -1231,9 +1231,7 @@
         <p:spPr/>
         <p:txBody>
           <a:bodyPr/>
-          <a:lstStyle>
-            <a:extLst/>
-          </a:lstStyle>
+          <a:lstStyle/>
           <a:p>
             <a:endParaRPr lang="ko-KR" altLang="en-US"/>
           </a:p>
@@ -1252,9 +1250,7 @@
         <p:spPr/>
         <p:txBody>
           <a:bodyPr/>
-          <a:lstStyle>
-            <a:extLst/>
-          </a:lstStyle>
+          <a:lstStyle/>
           <a:p>
             <a:fld id="{B06C8043-AB0D-4E6D-B24A-18F217D10F77}" type="slidenum">
               <a:rPr lang="ko-KR" altLang="en-US" smtClean="0"/>
@@ -1307,9 +1303,7 @@
         </p:spPr>
         <p:txBody>
           <a:bodyPr vert="eaVert"/>
-          <a:lstStyle>
-            <a:extLst/>
-          </a:lstStyle>
+          <a:lstStyle/>
           <a:p>
             <a:r>
               <a:rPr kumimoji="0" lang="ko-KR" altLang="en-US" smtClean="0"/>
@@ -1337,9 +1331,7 @@
         </p:spPr>
         <p:txBody>
           <a:bodyPr vert="eaVert"/>
-          <a:lstStyle>
-            <a:extLst/>
-          </a:lstStyle>
+          <a:lstStyle/>
           <a:p>
             <a:pPr lvl="0" eaLnBrk="1" latinLnBrk="0" hangingPunct="1"/>
             <a:r>
@@ -1391,13 +1383,11 @@
         <p:spPr/>
         <p:txBody>
           <a:bodyPr/>
-          <a:lstStyle>
-            <a:extLst/>
-          </a:lstStyle>
+          <a:lstStyle/>
           <a:p>
             <a:fld id="{9FF2AAAA-FB92-4DAB-AA29-3BC6389EA3DC}" type="datetimeFigureOut">
               <a:rPr lang="ko-KR" altLang="en-US" smtClean="0"/>
-              <a:t>2021-04-23</a:t>
+              <a:t>2021-05-03</a:t>
             </a:fld>
             <a:endParaRPr lang="ko-KR" altLang="en-US"/>
           </a:p>
@@ -1416,9 +1406,7 @@
         <p:spPr/>
         <p:txBody>
           <a:bodyPr/>
-          <a:lstStyle>
-            <a:extLst/>
-          </a:lstStyle>
+          <a:lstStyle/>
           <a:p>
             <a:endParaRPr lang="ko-KR" altLang="en-US"/>
           </a:p>
@@ -1437,9 +1425,7 @@
         <p:spPr/>
         <p:txBody>
           <a:bodyPr/>
-          <a:lstStyle>
-            <a:extLst/>
-          </a:lstStyle>
+          <a:lstStyle/>
           <a:p>
             <a:fld id="{B06C8043-AB0D-4E6D-B24A-18F217D10F77}" type="slidenum">
               <a:rPr lang="ko-KR" altLang="en-US" smtClean="0"/>
@@ -1492,9 +1478,7 @@
         </p:spPr>
         <p:txBody>
           <a:bodyPr/>
-          <a:lstStyle>
-            <a:extLst/>
-          </a:lstStyle>
+          <a:lstStyle/>
           <a:p>
             <a:r>
               <a:rPr kumimoji="0" lang="ko-KR" altLang="en-US" smtClean="0"/>
@@ -1522,9 +1506,7 @@
         </p:spPr>
         <p:txBody>
           <a:bodyPr/>
-          <a:lstStyle>
-            <a:extLst/>
-          </a:lstStyle>
+          <a:lstStyle/>
           <a:p>
             <a:pPr lvl="0" eaLnBrk="1" latinLnBrk="0" hangingPunct="1"/>
             <a:r>
@@ -1576,13 +1558,11 @@
         <p:spPr/>
         <p:txBody>
           <a:bodyPr/>
-          <a:lstStyle>
-            <a:extLst/>
-          </a:lstStyle>
+          <a:lstStyle/>
           <a:p>
             <a:fld id="{9FF2AAAA-FB92-4DAB-AA29-3BC6389EA3DC}" type="datetimeFigureOut">
               <a:rPr lang="ko-KR" altLang="en-US" smtClean="0"/>
-              <a:t>2021-04-23</a:t>
+              <a:t>2021-05-03</a:t>
             </a:fld>
             <a:endParaRPr lang="ko-KR" altLang="en-US"/>
           </a:p>
@@ -1601,9 +1581,7 @@
         <p:spPr/>
         <p:txBody>
           <a:bodyPr/>
-          <a:lstStyle>
-            <a:extLst/>
-          </a:lstStyle>
+          <a:lstStyle/>
           <a:p>
             <a:endParaRPr lang="ko-KR" altLang="en-US"/>
           </a:p>
@@ -1622,9 +1600,7 @@
         <p:spPr/>
         <p:txBody>
           <a:bodyPr/>
-          <a:lstStyle>
-            <a:extLst/>
-          </a:lstStyle>
+          <a:lstStyle/>
           <a:p>
             <a:fld id="{B06C8043-AB0D-4E6D-B24A-18F217D10F77}" type="slidenum">
               <a:rPr lang="ko-KR" altLang="en-US" smtClean="0"/>
@@ -1734,9 +1710,7 @@
         </p:style>
         <p:txBody>
           <a:bodyPr anchor="ctr"/>
-          <a:lstStyle>
-            <a:extLst/>
-          </a:lstStyle>
+          <a:lstStyle/>
           <a:p>
             <a:pPr algn="ctr" eaLnBrk="1" latinLnBrk="0" hangingPunct="1"/>
             <a:endParaRPr kumimoji="0" lang="en-US"/>
@@ -1806,9 +1780,7 @@
         </p:style>
         <p:txBody>
           <a:bodyPr anchor="ctr"/>
-          <a:lstStyle>
-            <a:extLst/>
-          </a:lstStyle>
+          <a:lstStyle/>
           <a:p>
             <a:pPr algn="ctr" eaLnBrk="1" latinLnBrk="0" hangingPunct="1"/>
             <a:endParaRPr kumimoji="0" lang="en-US"/>
@@ -1957,13 +1929,11 @@
         <p:spPr/>
         <p:txBody>
           <a:bodyPr/>
-          <a:lstStyle>
-            <a:extLst/>
-          </a:lstStyle>
+          <a:lstStyle/>
           <a:p>
             <a:fld id="{9FF2AAAA-FB92-4DAB-AA29-3BC6389EA3DC}" type="datetimeFigureOut">
               <a:rPr lang="ko-KR" altLang="en-US" smtClean="0"/>
-              <a:t>2021-04-23</a:t>
+              <a:t>2021-05-03</a:t>
             </a:fld>
             <a:endParaRPr lang="ko-KR" altLang="en-US"/>
           </a:p>
@@ -1982,9 +1952,7 @@
         <p:spPr/>
         <p:txBody>
           <a:bodyPr/>
-          <a:lstStyle>
-            <a:extLst/>
-          </a:lstStyle>
+          <a:lstStyle/>
           <a:p>
             <a:endParaRPr lang="ko-KR" altLang="en-US"/>
           </a:p>
@@ -2003,9 +1971,7 @@
         <p:spPr/>
         <p:txBody>
           <a:bodyPr/>
-          <a:lstStyle>
-            <a:extLst/>
-          </a:lstStyle>
+          <a:lstStyle/>
           <a:p>
             <a:fld id="{B06C8043-AB0D-4E6D-B24A-18F217D10F77}" type="slidenum">
               <a:rPr lang="ko-KR" altLang="en-US" smtClean="0"/>
@@ -2053,9 +2019,7 @@
         <p:spPr/>
         <p:txBody>
           <a:bodyPr/>
-          <a:lstStyle>
-            <a:extLst/>
-          </a:lstStyle>
+          <a:lstStyle/>
           <a:p>
             <a:r>
               <a:rPr kumimoji="0" lang="ko-KR" altLang="en-US" smtClean="0"/>
@@ -2226,13 +2190,11 @@
         <p:spPr/>
         <p:txBody>
           <a:bodyPr/>
-          <a:lstStyle>
-            <a:extLst/>
-          </a:lstStyle>
+          <a:lstStyle/>
           <a:p>
             <a:fld id="{9FF2AAAA-FB92-4DAB-AA29-3BC6389EA3DC}" type="datetimeFigureOut">
               <a:rPr lang="ko-KR" altLang="en-US" smtClean="0"/>
-              <a:t>2021-04-23</a:t>
+              <a:t>2021-05-03</a:t>
             </a:fld>
             <a:endParaRPr lang="ko-KR" altLang="en-US"/>
           </a:p>
@@ -2251,9 +2213,7 @@
         <p:spPr/>
         <p:txBody>
           <a:bodyPr/>
-          <a:lstStyle>
-            <a:extLst/>
-          </a:lstStyle>
+          <a:lstStyle/>
           <a:p>
             <a:endParaRPr lang="ko-KR" altLang="en-US"/>
           </a:p>
@@ -2272,9 +2232,7 @@
         <p:spPr/>
         <p:txBody>
           <a:bodyPr/>
-          <a:lstStyle>
-            <a:extLst/>
-          </a:lstStyle>
+          <a:lstStyle/>
           <a:p>
             <a:fld id="{B06C8043-AB0D-4E6D-B24A-18F217D10F77}" type="slidenum">
               <a:rPr lang="ko-KR" altLang="en-US" smtClean="0"/>
@@ -2611,13 +2569,11 @@
         <p:spPr/>
         <p:txBody>
           <a:bodyPr/>
-          <a:lstStyle>
-            <a:extLst/>
-          </a:lstStyle>
+          <a:lstStyle/>
           <a:p>
             <a:fld id="{9FF2AAAA-FB92-4DAB-AA29-3BC6389EA3DC}" type="datetimeFigureOut">
               <a:rPr lang="ko-KR" altLang="en-US" smtClean="0"/>
-              <a:t>2021-04-23</a:t>
+              <a:t>2021-05-03</a:t>
             </a:fld>
             <a:endParaRPr lang="ko-KR" altLang="en-US"/>
           </a:p>
@@ -2636,9 +2592,7 @@
         <p:spPr/>
         <p:txBody>
           <a:bodyPr/>
-          <a:lstStyle>
-            <a:extLst/>
-          </a:lstStyle>
+          <a:lstStyle/>
           <a:p>
             <a:endParaRPr lang="ko-KR" altLang="en-US"/>
           </a:p>
@@ -2657,9 +2611,7 @@
         <p:spPr/>
         <p:txBody>
           <a:bodyPr/>
-          <a:lstStyle>
-            <a:extLst/>
-          </a:lstStyle>
+          <a:lstStyle/>
           <a:p>
             <a:fld id="{B06C8043-AB0D-4E6D-B24A-18F217D10F77}" type="slidenum">
               <a:rPr lang="ko-KR" altLang="en-US" smtClean="0"/>
@@ -2707,9 +2659,7 @@
         <p:spPr/>
         <p:txBody>
           <a:bodyPr/>
-          <a:lstStyle>
-            <a:extLst/>
-          </a:lstStyle>
+          <a:lstStyle/>
           <a:p>
             <a:r>
               <a:rPr kumimoji="0" lang="ko-KR" altLang="en-US" smtClean="0"/>
@@ -2732,13 +2682,11 @@
         <p:spPr/>
         <p:txBody>
           <a:bodyPr/>
-          <a:lstStyle>
-            <a:extLst/>
-          </a:lstStyle>
+          <a:lstStyle/>
           <a:p>
             <a:fld id="{9FF2AAAA-FB92-4DAB-AA29-3BC6389EA3DC}" type="datetimeFigureOut">
               <a:rPr lang="ko-KR" altLang="en-US" smtClean="0"/>
-              <a:t>2021-04-23</a:t>
+              <a:t>2021-05-03</a:t>
             </a:fld>
             <a:endParaRPr lang="ko-KR" altLang="en-US"/>
           </a:p>
@@ -2757,9 +2705,7 @@
         <p:spPr/>
         <p:txBody>
           <a:bodyPr/>
-          <a:lstStyle>
-            <a:extLst/>
-          </a:lstStyle>
+          <a:lstStyle/>
           <a:p>
             <a:endParaRPr lang="ko-KR" altLang="en-US"/>
           </a:p>
@@ -2778,9 +2724,7 @@
         <p:spPr/>
         <p:txBody>
           <a:bodyPr/>
-          <a:lstStyle>
-            <a:extLst/>
-          </a:lstStyle>
+          <a:lstStyle/>
           <a:p>
             <a:fld id="{B06C8043-AB0D-4E6D-B24A-18F217D10F77}" type="slidenum">
               <a:rPr lang="ko-KR" altLang="en-US" smtClean="0"/>
@@ -2890,9 +2834,7 @@
         </p:style>
         <p:txBody>
           <a:bodyPr anchor="ctr"/>
-          <a:lstStyle>
-            <a:extLst/>
-          </a:lstStyle>
+          <a:lstStyle/>
           <a:p>
             <a:pPr algn="ctr" eaLnBrk="1" latinLnBrk="0" hangingPunct="1"/>
             <a:endParaRPr kumimoji="0" lang="en-US"/>
@@ -2912,13 +2854,11 @@
         <p:spPr/>
         <p:txBody>
           <a:bodyPr/>
-          <a:lstStyle>
-            <a:extLst/>
-          </a:lstStyle>
+          <a:lstStyle/>
           <a:p>
             <a:fld id="{9FF2AAAA-FB92-4DAB-AA29-3BC6389EA3DC}" type="datetimeFigureOut">
               <a:rPr lang="ko-KR" altLang="en-US" smtClean="0"/>
-              <a:t>2021-04-23</a:t>
+              <a:t>2021-05-03</a:t>
             </a:fld>
             <a:endParaRPr lang="ko-KR" altLang="en-US"/>
           </a:p>
@@ -2937,9 +2877,7 @@
         <p:spPr/>
         <p:txBody>
           <a:bodyPr/>
-          <a:lstStyle>
-            <a:extLst/>
-          </a:lstStyle>
+          <a:lstStyle/>
           <a:p>
             <a:endParaRPr lang="ko-KR" altLang="en-US"/>
           </a:p>
@@ -2958,9 +2896,7 @@
         <p:spPr/>
         <p:txBody>
           <a:bodyPr/>
-          <a:lstStyle>
-            <a:extLst/>
-          </a:lstStyle>
+          <a:lstStyle/>
           <a:p>
             <a:fld id="{B06C8043-AB0D-4E6D-B24A-18F217D10F77}" type="slidenum">
               <a:rPr lang="ko-KR" altLang="en-US" smtClean="0"/>
@@ -3246,13 +3182,11 @@
         <p:spPr/>
         <p:txBody>
           <a:bodyPr/>
-          <a:lstStyle>
-            <a:extLst/>
-          </a:lstStyle>
+          <a:lstStyle/>
           <a:p>
             <a:fld id="{9FF2AAAA-FB92-4DAB-AA29-3BC6389EA3DC}" type="datetimeFigureOut">
               <a:rPr lang="ko-KR" altLang="en-US" smtClean="0"/>
-              <a:t>2021-04-23</a:t>
+              <a:t>2021-05-03</a:t>
             </a:fld>
             <a:endParaRPr lang="ko-KR" altLang="en-US"/>
           </a:p>
@@ -3271,9 +3205,7 @@
         <p:spPr/>
         <p:txBody>
           <a:bodyPr/>
-          <a:lstStyle>
-            <a:extLst/>
-          </a:lstStyle>
+          <a:lstStyle/>
           <a:p>
             <a:endParaRPr lang="ko-KR" altLang="en-US"/>
           </a:p>
@@ -3292,9 +3224,7 @@
         <p:spPr/>
         <p:txBody>
           <a:bodyPr/>
-          <a:lstStyle>
-            <a:extLst/>
-          </a:lstStyle>
+          <a:lstStyle/>
           <a:p>
             <a:fld id="{B06C8043-AB0D-4E6D-B24A-18F217D10F77}" type="slidenum">
               <a:rPr lang="ko-KR" altLang="en-US" smtClean="0"/>
@@ -3404,9 +3334,7 @@
         </p:style>
         <p:txBody>
           <a:bodyPr anchor="ctr"/>
-          <a:lstStyle>
-            <a:extLst/>
-          </a:lstStyle>
+          <a:lstStyle/>
           <a:p>
             <a:pPr algn="ctr" eaLnBrk="1" latinLnBrk="0" hangingPunct="1"/>
             <a:endParaRPr kumimoji="0" lang="en-US"/>
@@ -3454,9 +3382,7 @@
         </p:style>
         <p:txBody>
           <a:bodyPr anchor="ctr"/>
-          <a:lstStyle>
-            <a:extLst/>
-          </a:lstStyle>
+          <a:lstStyle/>
           <a:p>
             <a:pPr algn="ctr" eaLnBrk="1" latinLnBrk="0" hangingPunct="1"/>
             <a:endParaRPr kumimoji="0" lang="en-US"/>
@@ -3615,13 +3541,11 @@
         <p:spPr/>
         <p:txBody>
           <a:bodyPr/>
-          <a:lstStyle>
-            <a:extLst/>
-          </a:lstStyle>
+          <a:lstStyle/>
           <a:p>
             <a:fld id="{9FF2AAAA-FB92-4DAB-AA29-3BC6389EA3DC}" type="datetimeFigureOut">
               <a:rPr lang="ko-KR" altLang="en-US" smtClean="0"/>
-              <a:t>2021-04-23</a:t>
+              <a:t>2021-05-03</a:t>
             </a:fld>
             <a:endParaRPr lang="ko-KR" altLang="en-US"/>
           </a:p>
@@ -3640,9 +3564,7 @@
         <p:spPr/>
         <p:txBody>
           <a:bodyPr/>
-          <a:lstStyle>
-            <a:extLst/>
-          </a:lstStyle>
+          <a:lstStyle/>
           <a:p>
             <a:endParaRPr lang="ko-KR" altLang="en-US"/>
           </a:p>
@@ -3661,9 +3583,7 @@
         <p:spPr/>
         <p:txBody>
           <a:bodyPr/>
-          <a:lstStyle>
-            <a:extLst/>
-          </a:lstStyle>
+          <a:lstStyle/>
           <a:p>
             <a:fld id="{B06C8043-AB0D-4E6D-B24A-18F217D10F77}" type="slidenum">
               <a:rPr lang="ko-KR" altLang="en-US" smtClean="0"/>
@@ -3823,9 +3743,7 @@
         </p:style>
         <p:txBody>
           <a:bodyPr anchor="ctr"/>
-          <a:lstStyle>
-            <a:extLst/>
-          </a:lstStyle>
+          <a:lstStyle/>
           <a:p>
             <a:pPr algn="ctr" eaLnBrk="1" latinLnBrk="0" hangingPunct="1"/>
             <a:endParaRPr kumimoji="0" lang="en-US"/>
@@ -3895,9 +3813,7 @@
         </p:style>
         <p:txBody>
           <a:bodyPr anchor="ctr"/>
-          <a:lstStyle>
-            <a:extLst/>
-          </a:lstStyle>
+          <a:lstStyle/>
           <a:p>
             <a:pPr algn="ctr" eaLnBrk="1" latinLnBrk="0" hangingPunct="1"/>
             <a:endParaRPr kumimoji="0" lang="en-US"/>
@@ -3927,9 +3843,7 @@
           <a:bodyPr vert="horz" anchor="b">
             <a:normAutofit/>
           </a:bodyPr>
-          <a:lstStyle>
-            <a:extLst/>
-          </a:lstStyle>
+          <a:lstStyle/>
           <a:p>
             <a:r>
               <a:rPr kumimoji="0" lang="ko-KR" altLang="en-US" smtClean="0"/>
@@ -3962,9 +3876,7 @@
           <a:bodyPr vert="horz" lIns="182880" tIns="91440">
             <a:normAutofit/>
           </a:bodyPr>
-          <a:lstStyle>
-            <a:extLst/>
-          </a:lstStyle>
+          <a:lstStyle/>
           <a:p>
             <a:pPr lvl="0" eaLnBrk="1" latinLnBrk="0" hangingPunct="1"/>
             <a:r>
@@ -4039,7 +3951,7 @@
           <a:p>
             <a:fld id="{9FF2AAAA-FB92-4DAB-AA29-3BC6389EA3DC}" type="datetimeFigureOut">
               <a:rPr lang="ko-KR" altLang="en-US" smtClean="0"/>
-              <a:t>2021-04-23</a:t>
+              <a:t>2021-05-03</a:t>
             </a:fld>
             <a:endParaRPr lang="ko-KR" altLang="en-US"/>
           </a:p>
@@ -5454,15 +5366,7 @@
             </a:r>
             <a:r>
               <a:rPr lang="en-US" altLang="ko-KR" dirty="0" smtClean="0"/>
-              <a:t>.  4/19 </a:t>
-            </a:r>
-            <a:r>
-              <a:rPr lang="en-US" altLang="ko-KR" dirty="0" smtClean="0"/>
-              <a:t>-</a:t>
-            </a:r>
-            <a:r>
-              <a:rPr lang="en-US" altLang="ko-KR" dirty="0" smtClean="0"/>
-              <a:t>  form </a:t>
+              <a:t>.  4/19 -  form </a:t>
             </a:r>
             <a:r>
               <a:rPr lang="ko-KR" altLang="en-US" dirty="0" smtClean="0"/>
@@ -5631,13 +5535,13 @@
         </p:nvSpPr>
         <p:spPr>
           <a:xfrm>
-            <a:off x="467544" y="476672"/>
-            <a:ext cx="8183880" cy="1051560"/>
+            <a:off x="512042" y="462997"/>
+            <a:ext cx="3240360" cy="763528"/>
           </a:xfrm>
         </p:spPr>
         <p:txBody>
           <a:bodyPr>
-            <a:normAutofit/>
+            <a:normAutofit fontScale="90000"/>
           </a:bodyPr>
           <a:lstStyle/>
           <a:p>
@@ -5683,8 +5587,8 @@
         </p:blipFill>
         <p:spPr>
           <a:xfrm>
-            <a:off x="611560" y="1844824"/>
-            <a:ext cx="3816424" cy="3004421"/>
+            <a:off x="486781" y="1528232"/>
+            <a:ext cx="4244159" cy="1800200"/>
           </a:xfrm>
           <a:prstGeom prst="rect">
             <a:avLst/>
@@ -5713,14 +5617,414 @@
         </p:blipFill>
         <p:spPr>
           <a:xfrm>
-            <a:off x="4456163" y="1895930"/>
-            <a:ext cx="4176464" cy="2959417"/>
+            <a:off x="4519202" y="1518659"/>
+            <a:ext cx="4229262" cy="1847308"/>
           </a:xfrm>
           <a:prstGeom prst="rect">
             <a:avLst/>
           </a:prstGeom>
         </p:spPr>
       </p:pic>
+      <p:pic>
+        <p:nvPicPr>
+          <p:cNvPr id="2" name="그림 1"/>
+          <p:cNvPicPr>
+            <a:picLocks noChangeAspect="1"/>
+          </p:cNvPicPr>
+          <p:nvPr/>
+        </p:nvPicPr>
+        <p:blipFill>
+          <a:blip r:embed="rId4"/>
+          <a:stretch>
+            <a:fillRect/>
+          </a:stretch>
+        </p:blipFill>
+        <p:spPr>
+          <a:xfrm>
+            <a:off x="454015" y="3328432"/>
+            <a:ext cx="4395767" cy="2513191"/>
+          </a:xfrm>
+          <a:prstGeom prst="rect">
+            <a:avLst/>
+          </a:prstGeom>
+        </p:spPr>
+      </p:pic>
+      <p:pic>
+        <p:nvPicPr>
+          <p:cNvPr id="3" name="그림 2"/>
+          <p:cNvPicPr>
+            <a:picLocks noChangeAspect="1"/>
+          </p:cNvPicPr>
+          <p:nvPr/>
+        </p:nvPicPr>
+        <p:blipFill>
+          <a:blip r:embed="rId5"/>
+          <a:stretch>
+            <a:fillRect/>
+          </a:stretch>
+        </p:blipFill>
+        <p:spPr>
+          <a:xfrm>
+            <a:off x="4593396" y="3365967"/>
+            <a:ext cx="4151172" cy="2475656"/>
+          </a:xfrm>
+          <a:prstGeom prst="rect">
+            <a:avLst/>
+          </a:prstGeom>
+        </p:spPr>
+      </p:pic>
+      <p:sp>
+        <p:nvSpPr>
+          <p:cNvPr id="4" name="타원 3"/>
+          <p:cNvSpPr/>
+          <p:nvPr/>
+        </p:nvSpPr>
+        <p:spPr>
+          <a:xfrm>
+            <a:off x="19808" y="3311989"/>
+            <a:ext cx="1515782" cy="541368"/>
+          </a:xfrm>
+          <a:prstGeom prst="ellipse">
+            <a:avLst/>
+          </a:prstGeom>
+        </p:spPr>
+        <p:style>
+          <a:lnRef idx="2">
+            <a:schemeClr val="accent1">
+              <a:shade val="50000"/>
+            </a:schemeClr>
+          </a:lnRef>
+          <a:fillRef idx="1">
+            <a:schemeClr val="accent1"/>
+          </a:fillRef>
+          <a:effectRef idx="0">
+            <a:schemeClr val="accent1"/>
+          </a:effectRef>
+          <a:fontRef idx="minor">
+            <a:schemeClr val="lt1"/>
+          </a:fontRef>
+        </p:style>
+        <p:txBody>
+          <a:bodyPr rtlCol="0" anchor="ctr"/>
+          <a:lstStyle/>
+          <a:p>
+            <a:pPr algn="ctr"/>
+            <a:r>
+              <a:rPr lang="en-US" altLang="ko-KR" dirty="0">
+                <a:ln w="0"/>
+                <a:solidFill>
+                  <a:schemeClr val="tx1"/>
+                </a:solidFill>
+                <a:effectLst>
+                  <a:outerShdw blurRad="38100" dist="19050" dir="2700000" algn="tl" rotWithShape="0">
+                    <a:schemeClr val="dk1">
+                      <a:alpha val="40000"/>
+                    </a:schemeClr>
+                  </a:outerShdw>
+                </a:effectLst>
+              </a:rPr>
+              <a:t>3</a:t>
+            </a:r>
+            <a:r>
+              <a:rPr lang="en-US" altLang="ko-KR" dirty="0" smtClean="0">
+                <a:ln w="0"/>
+                <a:solidFill>
+                  <a:schemeClr val="tx1"/>
+                </a:solidFill>
+                <a:effectLst>
+                  <a:outerShdw blurRad="38100" dist="19050" dir="2700000" algn="tl" rotWithShape="0">
+                    <a:schemeClr val="dk1">
+                      <a:alpha val="40000"/>
+                    </a:schemeClr>
+                  </a:outerShdw>
+                </a:effectLst>
+              </a:rPr>
+              <a:t>.</a:t>
+            </a:r>
+            <a:r>
+              <a:rPr lang="ko-KR" altLang="en-US" dirty="0" err="1" smtClean="0">
+                <a:ln w="0"/>
+                <a:solidFill>
+                  <a:schemeClr val="tx1"/>
+                </a:solidFill>
+                <a:effectLst>
+                  <a:outerShdw blurRad="38100" dist="19050" dir="2700000" algn="tl" rotWithShape="0">
+                    <a:schemeClr val="dk1">
+                      <a:alpha val="40000"/>
+                    </a:schemeClr>
+                  </a:outerShdw>
+                </a:effectLst>
+              </a:rPr>
+              <a:t>게임완료</a:t>
+            </a:r>
+            <a:endParaRPr lang="ko-KR" altLang="en-US" dirty="0">
+              <a:ln w="0"/>
+              <a:solidFill>
+                <a:schemeClr val="tx1"/>
+              </a:solidFill>
+              <a:effectLst>
+                <a:outerShdw blurRad="38100" dist="19050" dir="2700000" algn="tl" rotWithShape="0">
+                  <a:schemeClr val="dk1">
+                    <a:alpha val="40000"/>
+                  </a:schemeClr>
+                </a:outerShdw>
+              </a:effectLst>
+            </a:endParaRPr>
+          </a:p>
+        </p:txBody>
+      </p:sp>
+      <p:sp>
+        <p:nvSpPr>
+          <p:cNvPr id="8" name="타원 7"/>
+          <p:cNvSpPr/>
+          <p:nvPr/>
+        </p:nvSpPr>
+        <p:spPr>
+          <a:xfrm>
+            <a:off x="4114279" y="1420575"/>
+            <a:ext cx="1524606" cy="541368"/>
+          </a:xfrm>
+          <a:prstGeom prst="ellipse">
+            <a:avLst/>
+          </a:prstGeom>
+        </p:spPr>
+        <p:style>
+          <a:lnRef idx="2">
+            <a:schemeClr val="accent1">
+              <a:shade val="50000"/>
+            </a:schemeClr>
+          </a:lnRef>
+          <a:fillRef idx="1">
+            <a:schemeClr val="accent1"/>
+          </a:fillRef>
+          <a:effectRef idx="0">
+            <a:schemeClr val="accent1"/>
+          </a:effectRef>
+          <a:fontRef idx="minor">
+            <a:schemeClr val="lt1"/>
+          </a:fontRef>
+        </p:style>
+        <p:txBody>
+          <a:bodyPr rtlCol="0" anchor="ctr"/>
+          <a:lstStyle/>
+          <a:p>
+            <a:pPr algn="ctr"/>
+            <a:r>
+              <a:rPr lang="en-US" altLang="ko-KR" dirty="0" smtClean="0">
+                <a:ln w="0"/>
+                <a:solidFill>
+                  <a:schemeClr val="tx1"/>
+                </a:solidFill>
+                <a:effectLst>
+                  <a:outerShdw blurRad="38100" dist="19050" dir="2700000" algn="tl" rotWithShape="0">
+                    <a:schemeClr val="dk1">
+                      <a:alpha val="40000"/>
+                    </a:schemeClr>
+                  </a:outerShdw>
+                </a:effectLst>
+              </a:rPr>
+              <a:t>2.</a:t>
+            </a:r>
+            <a:r>
+              <a:rPr lang="ko-KR" altLang="en-US" dirty="0" smtClean="0">
+                <a:ln w="0"/>
+                <a:solidFill>
+                  <a:schemeClr val="tx1"/>
+                </a:solidFill>
+                <a:effectLst>
+                  <a:outerShdw blurRad="38100" dist="19050" dir="2700000" algn="tl" rotWithShape="0">
+                    <a:schemeClr val="dk1">
+                      <a:alpha val="40000"/>
+                    </a:schemeClr>
+                  </a:outerShdw>
+                </a:effectLst>
+              </a:rPr>
+              <a:t>게임시작</a:t>
+            </a:r>
+            <a:endParaRPr lang="ko-KR" altLang="en-US" dirty="0">
+              <a:ln w="0"/>
+              <a:solidFill>
+                <a:schemeClr val="tx1"/>
+              </a:solidFill>
+              <a:effectLst>
+                <a:outerShdw blurRad="38100" dist="19050" dir="2700000" algn="tl" rotWithShape="0">
+                  <a:schemeClr val="dk1">
+                    <a:alpha val="40000"/>
+                  </a:schemeClr>
+                </a:outerShdw>
+              </a:effectLst>
+            </a:endParaRPr>
+          </a:p>
+        </p:txBody>
+      </p:sp>
+      <p:sp>
+        <p:nvSpPr>
+          <p:cNvPr id="9" name="타원 8"/>
+          <p:cNvSpPr/>
+          <p:nvPr/>
+        </p:nvSpPr>
+        <p:spPr>
+          <a:xfrm>
+            <a:off x="215118" y="1393351"/>
+            <a:ext cx="1667360" cy="733519"/>
+          </a:xfrm>
+          <a:prstGeom prst="ellipse">
+            <a:avLst/>
+          </a:prstGeom>
+        </p:spPr>
+        <p:style>
+          <a:lnRef idx="2">
+            <a:schemeClr val="accent1">
+              <a:shade val="50000"/>
+            </a:schemeClr>
+          </a:lnRef>
+          <a:fillRef idx="1">
+            <a:schemeClr val="accent1"/>
+          </a:fillRef>
+          <a:effectRef idx="0">
+            <a:schemeClr val="accent1"/>
+          </a:effectRef>
+          <a:fontRef idx="minor">
+            <a:schemeClr val="lt1"/>
+          </a:fontRef>
+        </p:style>
+        <p:txBody>
+          <a:bodyPr rtlCol="0" anchor="ctr"/>
+          <a:lstStyle/>
+          <a:p>
+            <a:pPr algn="ctr"/>
+            <a:r>
+              <a:rPr lang="en-US" altLang="ko-KR" dirty="0" smtClean="0">
+                <a:ln w="0"/>
+                <a:solidFill>
+                  <a:schemeClr val="tx1"/>
+                </a:solidFill>
+                <a:effectLst>
+                  <a:outerShdw blurRad="38100" dist="19050" dir="2700000" algn="tl" rotWithShape="0">
+                    <a:schemeClr val="dk1">
+                      <a:alpha val="40000"/>
+                    </a:schemeClr>
+                  </a:outerShdw>
+                </a:effectLst>
+              </a:rPr>
+              <a:t>1.</a:t>
+            </a:r>
+            <a:r>
+              <a:rPr lang="ko-KR" altLang="en-US" dirty="0" smtClean="0">
+                <a:ln w="0"/>
+                <a:solidFill>
+                  <a:schemeClr val="tx1"/>
+                </a:solidFill>
+                <a:effectLst>
+                  <a:outerShdw blurRad="38100" dist="19050" dir="2700000" algn="tl" rotWithShape="0">
+                    <a:schemeClr val="dk1">
+                      <a:alpha val="40000"/>
+                    </a:schemeClr>
+                  </a:outerShdw>
+                </a:effectLst>
+              </a:rPr>
+              <a:t>메인 화면</a:t>
+            </a:r>
+            <a:endParaRPr lang="ko-KR" altLang="en-US" dirty="0">
+              <a:ln w="0"/>
+              <a:solidFill>
+                <a:schemeClr val="tx1"/>
+              </a:solidFill>
+              <a:effectLst>
+                <a:outerShdw blurRad="38100" dist="19050" dir="2700000" algn="tl" rotWithShape="0">
+                  <a:schemeClr val="dk1">
+                    <a:alpha val="40000"/>
+                  </a:schemeClr>
+                </a:outerShdw>
+              </a:effectLst>
+            </a:endParaRPr>
+          </a:p>
+        </p:txBody>
+      </p:sp>
+      <p:sp>
+        <p:nvSpPr>
+          <p:cNvPr id="10" name="타원 9"/>
+          <p:cNvSpPr/>
+          <p:nvPr/>
+        </p:nvSpPr>
+        <p:spPr>
+          <a:xfrm>
+            <a:off x="4179876" y="3284031"/>
+            <a:ext cx="1515782" cy="541368"/>
+          </a:xfrm>
+          <a:prstGeom prst="ellipse">
+            <a:avLst/>
+          </a:prstGeom>
+        </p:spPr>
+        <p:style>
+          <a:lnRef idx="2">
+            <a:schemeClr val="accent1">
+              <a:shade val="50000"/>
+            </a:schemeClr>
+          </a:lnRef>
+          <a:fillRef idx="1">
+            <a:schemeClr val="accent1"/>
+          </a:fillRef>
+          <a:effectRef idx="0">
+            <a:schemeClr val="accent1"/>
+          </a:effectRef>
+          <a:fontRef idx="minor">
+            <a:schemeClr val="lt1"/>
+          </a:fontRef>
+        </p:style>
+        <p:txBody>
+          <a:bodyPr rtlCol="0" anchor="ctr"/>
+          <a:lstStyle/>
+          <a:p>
+            <a:pPr algn="ctr"/>
+            <a:r>
+              <a:rPr lang="en-US" altLang="ko-KR" dirty="0" smtClean="0">
+                <a:ln w="0"/>
+                <a:solidFill>
+                  <a:schemeClr val="tx1"/>
+                </a:solidFill>
+                <a:effectLst>
+                  <a:outerShdw blurRad="38100" dist="19050" dir="2700000" algn="tl" rotWithShape="0">
+                    <a:schemeClr val="dk1">
+                      <a:alpha val="40000"/>
+                    </a:schemeClr>
+                  </a:outerShdw>
+                </a:effectLst>
+              </a:rPr>
+              <a:t>4.</a:t>
+            </a:r>
+            <a:r>
+              <a:rPr lang="ko-KR" altLang="en-US" dirty="0" smtClean="0">
+                <a:ln w="0"/>
+                <a:solidFill>
+                  <a:schemeClr val="tx1"/>
+                </a:solidFill>
+                <a:effectLst>
+                  <a:outerShdw blurRad="38100" dist="19050" dir="2700000" algn="tl" rotWithShape="0">
+                    <a:schemeClr val="dk1">
+                      <a:alpha val="40000"/>
+                    </a:schemeClr>
+                  </a:outerShdw>
+                </a:effectLst>
+              </a:rPr>
+              <a:t>게임 종료</a:t>
+            </a:r>
+            <a:endParaRPr lang="ko-KR" altLang="en-US" dirty="0">
+              <a:ln w="0"/>
+              <a:solidFill>
+                <a:schemeClr val="tx1"/>
+              </a:solidFill>
+              <a:effectLst>
+                <a:outerShdw blurRad="38100" dist="19050" dir="2700000" algn="tl" rotWithShape="0">
+                  <a:schemeClr val="dk1">
+                    <a:alpha val="40000"/>
+                  </a:schemeClr>
+                </a:outerShdw>
+              </a:effectLst>
+            </a:endParaRPr>
+          </a:p>
+        </p:txBody>
+      </p:sp>
     </p:spTree>
     <p:extLst>
       <p:ext uri="{BB962C8B-B14F-4D97-AF65-F5344CB8AC3E}">
@@ -5760,42 +6064,103 @@
       </p:grpSpPr>
       <p:sp>
         <p:nvSpPr>
-          <p:cNvPr id="2" name="제목 1"/>
-          <p:cNvSpPr>
-            <a:spLocks noGrp="1"/>
-          </p:cNvSpPr>
-          <p:nvPr>
-            <p:ph type="title"/>
-          </p:nvPr>
-        </p:nvSpPr>
-        <p:spPr/>
-        <p:txBody>
-          <a:bodyPr/>
-          <a:lstStyle/>
-          <a:p>
-            <a:endParaRPr lang="ko-KR" altLang="en-US"/>
-          </a:p>
-        </p:txBody>
-      </p:sp>
-      <p:sp>
-        <p:nvSpPr>
-          <p:cNvPr id="3" name="내용 개체 틀 2"/>
-          <p:cNvSpPr>
-            <a:spLocks noGrp="1"/>
-          </p:cNvSpPr>
-          <p:nvPr>
-            <p:ph idx="1"/>
-          </p:nvPr>
-        </p:nvSpPr>
-        <p:spPr/>
-        <p:txBody>
-          <a:bodyPr/>
-          <a:lstStyle/>
-          <a:p>
-            <a:endParaRPr lang="ko-KR" altLang="en-US"/>
-          </a:p>
-        </p:txBody>
-      </p:sp>
+          <p:cNvPr id="3" name="TextBox 2"/>
+          <p:cNvSpPr txBox="1"/>
+          <p:nvPr/>
+        </p:nvSpPr>
+        <p:spPr>
+          <a:xfrm>
+            <a:off x="539552" y="620688"/>
+            <a:ext cx="6480720" cy="923330"/>
+          </a:xfrm>
+          <a:prstGeom prst="rect">
+            <a:avLst/>
+          </a:prstGeom>
+          <a:noFill/>
+        </p:spPr>
+        <p:txBody>
+          <a:bodyPr wrap="square" rtlCol="0">
+            <a:spAutoFit/>
+          </a:bodyPr>
+          <a:lstStyle/>
+          <a:p>
+            <a:r>
+              <a:rPr lang="ko-KR" altLang="en-US" sz="5400" b="1" dirty="0" smtClean="0">
+                <a:solidFill>
+                  <a:schemeClr val="bg1"/>
+                </a:solidFill>
+                <a:latin typeface="HY견고딕" panose="02030600000101010101" pitchFamily="18" charset="-127"/>
+                <a:ea typeface="HY견고딕" panose="02030600000101010101" pitchFamily="18" charset="-127"/>
+              </a:rPr>
+              <a:t>알고리즘 </a:t>
+            </a:r>
+            <a:endParaRPr lang="ko-KR" altLang="en-US" sz="5400" b="1" dirty="0">
+              <a:solidFill>
+                <a:schemeClr val="bg1"/>
+              </a:solidFill>
+              <a:latin typeface="HY견고딕" panose="02030600000101010101" pitchFamily="18" charset="-127"/>
+              <a:ea typeface="HY견고딕" panose="02030600000101010101" pitchFamily="18" charset="-127"/>
+            </a:endParaRPr>
+          </a:p>
+        </p:txBody>
+      </p:sp>
+      <p:pic>
+        <p:nvPicPr>
+          <p:cNvPr id="4" name="그림 3"/>
+          <p:cNvPicPr>
+            <a:picLocks noChangeAspect="1"/>
+          </p:cNvPicPr>
+          <p:nvPr/>
+        </p:nvPicPr>
+        <p:blipFill>
+          <a:blip r:embed="rId2"/>
+          <a:stretch>
+            <a:fillRect/>
+          </a:stretch>
+        </p:blipFill>
+        <p:spPr>
+          <a:xfrm>
+            <a:off x="552355" y="1628800"/>
+            <a:ext cx="6655822" cy="4226890"/>
+          </a:xfrm>
+          <a:prstGeom prst="rect">
+            <a:avLst/>
+          </a:prstGeom>
+        </p:spPr>
+      </p:pic>
+      <p:cxnSp>
+        <p:nvCxnSpPr>
+          <p:cNvPr id="6" name="꺾인 연결선 5"/>
+          <p:cNvCxnSpPr/>
+          <p:nvPr/>
+        </p:nvCxnSpPr>
+        <p:spPr>
+          <a:xfrm>
+            <a:off x="5004048" y="3730175"/>
+            <a:ext cx="648072" cy="406835"/>
+          </a:xfrm>
+          <a:prstGeom prst="bentConnector3">
+            <a:avLst/>
+          </a:prstGeom>
+          <a:ln>
+            <a:tailEnd type="triangle"/>
+          </a:ln>
+        </p:spPr>
+        <p:style>
+          <a:lnRef idx="1">
+            <a:schemeClr val="accent1"/>
+          </a:lnRef>
+          <a:fillRef idx="0">
+            <a:schemeClr val="accent1"/>
+          </a:fillRef>
+          <a:effectRef idx="0">
+            <a:schemeClr val="accent1"/>
+          </a:effectRef>
+          <a:fontRef idx="minor">
+            <a:schemeClr val="tx1"/>
+          </a:fontRef>
+        </p:style>
+      </p:cxnSp>
     </p:spTree>
     <p:extLst>
       <p:ext uri="{BB962C8B-B14F-4D97-AF65-F5344CB8AC3E}">
